--- a/docs/SystemDiagram.pptx
+++ b/docs/SystemDiagram.pptx
@@ -197,7 +197,7 @@
           <a:p>
             <a:fld id="{373285A7-E1B1-9F4A-8E33-2B4201542485}" type="datetimeFigureOut">
               <a:rPr lang="en-US" smtClean="0"/>
-              <a:t>6/14/19</a:t>
+              <a:t>6/25/19</a:t>
             </a:fld>
             <a:endParaRPr lang="en-US"/>
           </a:p>
@@ -596,7 +596,7 @@
           <a:p>
             <a:fld id="{A5EF4CF0-7A93-FD47-8D80-DB40F543CDF8}" type="datetimeFigureOut">
               <a:rPr lang="en-US" smtClean="0"/>
-              <a:t>6/14/19</a:t>
+              <a:t>6/25/19</a:t>
             </a:fld>
             <a:endParaRPr lang="en-US"/>
           </a:p>
@@ -766,7 +766,7 @@
           <a:p>
             <a:fld id="{A5EF4CF0-7A93-FD47-8D80-DB40F543CDF8}" type="datetimeFigureOut">
               <a:rPr lang="en-US" smtClean="0"/>
-              <a:t>6/14/19</a:t>
+              <a:t>6/25/19</a:t>
             </a:fld>
             <a:endParaRPr lang="en-US"/>
           </a:p>
@@ -946,7 +946,7 @@
           <a:p>
             <a:fld id="{A5EF4CF0-7A93-FD47-8D80-DB40F543CDF8}" type="datetimeFigureOut">
               <a:rPr lang="en-US" smtClean="0"/>
-              <a:t>6/14/19</a:t>
+              <a:t>6/25/19</a:t>
             </a:fld>
             <a:endParaRPr lang="en-US"/>
           </a:p>
@@ -1116,7 +1116,7 @@
           <a:p>
             <a:fld id="{A5EF4CF0-7A93-FD47-8D80-DB40F543CDF8}" type="datetimeFigureOut">
               <a:rPr lang="en-US" smtClean="0"/>
-              <a:t>6/14/19</a:t>
+              <a:t>6/25/19</a:t>
             </a:fld>
             <a:endParaRPr lang="en-US"/>
           </a:p>
@@ -1362,7 +1362,7 @@
           <a:p>
             <a:fld id="{A5EF4CF0-7A93-FD47-8D80-DB40F543CDF8}" type="datetimeFigureOut">
               <a:rPr lang="en-US" smtClean="0"/>
-              <a:t>6/14/19</a:t>
+              <a:t>6/25/19</a:t>
             </a:fld>
             <a:endParaRPr lang="en-US"/>
           </a:p>
@@ -1594,7 +1594,7 @@
           <a:p>
             <a:fld id="{A5EF4CF0-7A93-FD47-8D80-DB40F543CDF8}" type="datetimeFigureOut">
               <a:rPr lang="en-US" smtClean="0"/>
-              <a:t>6/14/19</a:t>
+              <a:t>6/25/19</a:t>
             </a:fld>
             <a:endParaRPr lang="en-US"/>
           </a:p>
@@ -1961,7 +1961,7 @@
           <a:p>
             <a:fld id="{A5EF4CF0-7A93-FD47-8D80-DB40F543CDF8}" type="datetimeFigureOut">
               <a:rPr lang="en-US" smtClean="0"/>
-              <a:t>6/14/19</a:t>
+              <a:t>6/25/19</a:t>
             </a:fld>
             <a:endParaRPr lang="en-US"/>
           </a:p>
@@ -2079,7 +2079,7 @@
           <a:p>
             <a:fld id="{A5EF4CF0-7A93-FD47-8D80-DB40F543CDF8}" type="datetimeFigureOut">
               <a:rPr lang="en-US" smtClean="0"/>
-              <a:t>6/14/19</a:t>
+              <a:t>6/25/19</a:t>
             </a:fld>
             <a:endParaRPr lang="en-US"/>
           </a:p>
@@ -2174,7 +2174,7 @@
           <a:p>
             <a:fld id="{A5EF4CF0-7A93-FD47-8D80-DB40F543CDF8}" type="datetimeFigureOut">
               <a:rPr lang="en-US" smtClean="0"/>
-              <a:t>6/14/19</a:t>
+              <a:t>6/25/19</a:t>
             </a:fld>
             <a:endParaRPr lang="en-US"/>
           </a:p>
@@ -2451,7 +2451,7 @@
           <a:p>
             <a:fld id="{A5EF4CF0-7A93-FD47-8D80-DB40F543CDF8}" type="datetimeFigureOut">
               <a:rPr lang="en-US" smtClean="0"/>
-              <a:t>6/14/19</a:t>
+              <a:t>6/25/19</a:t>
             </a:fld>
             <a:endParaRPr lang="en-US"/>
           </a:p>
@@ -2704,7 +2704,7 @@
           <a:p>
             <a:fld id="{A5EF4CF0-7A93-FD47-8D80-DB40F543CDF8}" type="datetimeFigureOut">
               <a:rPr lang="en-US" smtClean="0"/>
-              <a:t>6/14/19</a:t>
+              <a:t>6/25/19</a:t>
             </a:fld>
             <a:endParaRPr lang="en-US"/>
           </a:p>
@@ -2917,7 +2917,7 @@
           <a:p>
             <a:fld id="{A5EF4CF0-7A93-FD47-8D80-DB40F543CDF8}" type="datetimeFigureOut">
               <a:rPr lang="en-US" smtClean="0"/>
-              <a:t>6/14/19</a:t>
+              <a:t>6/25/19</a:t>
             </a:fld>
             <a:endParaRPr lang="en-US"/>
           </a:p>
